--- a/перзентация.pptx
+++ b/перзентация.pptx
@@ -9,7 +9,8 @@
     <p:sldId id="257" r:id="rId3"/>
     <p:sldId id="258" r:id="rId4"/>
     <p:sldId id="259" r:id="rId5"/>
-    <p:sldId id="260" r:id="rId6"/>
+    <p:sldId id="261" r:id="rId6"/>
+    <p:sldId id="260" r:id="rId7"/>
   </p:sldIdLst>
   <p:sldSz cx="12192000" cy="6858000"/>
   <p:notesSz cx="6858000" cy="9144000"/>
@@ -108,6 +109,11 @@
       </a:defRPr>
     </a:lvl9pPr>
   </p:defaultTextStyle>
+  <p:extLst>
+    <p:ext uri="{EFAFB233-063F-42B5-8137-9DF3F51BA10A}">
+      <p15:sldGuideLst xmlns:p15="http://schemas.microsoft.com/office/powerpoint/2012/main"/>
+    </p:ext>
+  </p:extLst>
 </p:presentation>
 </file>
 
@@ -279,7 +285,7 @@
           <a:p>
             <a:fld id="{AA1483B1-6F33-4B54-B7CD-FC0610D9F73A}" type="datetimeFigureOut">
               <a:rPr lang="ru-RU" smtClean="0"/>
-              <a:t>05.12.2022</a:t>
+              <a:t>06.12.2022</a:t>
             </a:fld>
             <a:endParaRPr lang="ru-RU"/>
           </a:p>
@@ -507,7 +513,7 @@
           <a:p>
             <a:fld id="{AA1483B1-6F33-4B54-B7CD-FC0610D9F73A}" type="datetimeFigureOut">
               <a:rPr lang="ru-RU" smtClean="0"/>
-              <a:t>05.12.2022</a:t>
+              <a:t>06.12.2022</a:t>
             </a:fld>
             <a:endParaRPr lang="ru-RU"/>
           </a:p>
@@ -687,7 +693,7 @@
           <a:p>
             <a:fld id="{AA1483B1-6F33-4B54-B7CD-FC0610D9F73A}" type="datetimeFigureOut">
               <a:rPr lang="ru-RU" smtClean="0"/>
-              <a:t>05.12.2022</a:t>
+              <a:t>06.12.2022</a:t>
             </a:fld>
             <a:endParaRPr lang="ru-RU"/>
           </a:p>
@@ -857,7 +863,7 @@
           <a:p>
             <a:fld id="{AA1483B1-6F33-4B54-B7CD-FC0610D9F73A}" type="datetimeFigureOut">
               <a:rPr lang="ru-RU" smtClean="0"/>
-              <a:t>05.12.2022</a:t>
+              <a:t>06.12.2022</a:t>
             </a:fld>
             <a:endParaRPr lang="ru-RU"/>
           </a:p>
@@ -1111,7 +1117,7 @@
           <a:p>
             <a:fld id="{AA1483B1-6F33-4B54-B7CD-FC0610D9F73A}" type="datetimeFigureOut">
               <a:rPr lang="ru-RU" smtClean="0"/>
-              <a:t>05.12.2022</a:t>
+              <a:t>06.12.2022</a:t>
             </a:fld>
             <a:endParaRPr lang="ru-RU"/>
           </a:p>
@@ -1437,7 +1443,7 @@
           <a:p>
             <a:fld id="{AA1483B1-6F33-4B54-B7CD-FC0610D9F73A}" type="datetimeFigureOut">
               <a:rPr lang="ru-RU" smtClean="0"/>
-              <a:t>05.12.2022</a:t>
+              <a:t>06.12.2022</a:t>
             </a:fld>
             <a:endParaRPr lang="ru-RU"/>
           </a:p>
@@ -1888,7 +1894,7 @@
           <a:p>
             <a:fld id="{AA1483B1-6F33-4B54-B7CD-FC0610D9F73A}" type="datetimeFigureOut">
               <a:rPr lang="ru-RU" smtClean="0"/>
-              <a:t>05.12.2022</a:t>
+              <a:t>06.12.2022</a:t>
             </a:fld>
             <a:endParaRPr lang="ru-RU"/>
           </a:p>
@@ -2006,7 +2012,7 @@
           <a:p>
             <a:fld id="{AA1483B1-6F33-4B54-B7CD-FC0610D9F73A}" type="datetimeFigureOut">
               <a:rPr lang="ru-RU" smtClean="0"/>
-              <a:t>05.12.2022</a:t>
+              <a:t>06.12.2022</a:t>
             </a:fld>
             <a:endParaRPr lang="ru-RU"/>
           </a:p>
@@ -2101,7 +2107,7 @@
           <a:p>
             <a:fld id="{AA1483B1-6F33-4B54-B7CD-FC0610D9F73A}" type="datetimeFigureOut">
               <a:rPr lang="ru-RU" smtClean="0"/>
-              <a:t>05.12.2022</a:t>
+              <a:t>06.12.2022</a:t>
             </a:fld>
             <a:endParaRPr lang="ru-RU"/>
           </a:p>
@@ -2388,7 +2394,7 @@
           <a:p>
             <a:fld id="{AA1483B1-6F33-4B54-B7CD-FC0610D9F73A}" type="datetimeFigureOut">
               <a:rPr lang="ru-RU" smtClean="0"/>
-              <a:t>05.12.2022</a:t>
+              <a:t>06.12.2022</a:t>
             </a:fld>
             <a:endParaRPr lang="ru-RU"/>
           </a:p>
@@ -2710,7 +2716,7 @@
           <a:p>
             <a:fld id="{AA1483B1-6F33-4B54-B7CD-FC0610D9F73A}" type="datetimeFigureOut">
               <a:rPr lang="ru-RU" smtClean="0"/>
-              <a:t>05.12.2022</a:t>
+              <a:t>06.12.2022</a:t>
             </a:fld>
             <a:endParaRPr lang="ru-RU"/>
           </a:p>
@@ -2964,7 +2970,7 @@
           <a:p>
             <a:fld id="{AA1483B1-6F33-4B54-B7CD-FC0610D9F73A}" type="datetimeFigureOut">
               <a:rPr lang="ru-RU" smtClean="0"/>
-              <a:t>05.12.2022</a:t>
+              <a:t>06.12.2022</a:t>
             </a:fld>
             <a:endParaRPr lang="ru-RU"/>
           </a:p>
@@ -4015,6 +4021,131 @@
 <file path=ppt/slides/slide5.xml><?xml version="1.0" encoding="utf-8"?>
 <p:sld xmlns:a="http://schemas.openxmlformats.org/drawingml/2006/main" xmlns:r="http://schemas.openxmlformats.org/officeDocument/2006/relationships" xmlns:p="http://schemas.openxmlformats.org/presentationml/2006/main" showMasterSp="0">
   <p:cSld>
+    <p:spTree>
+      <p:nvGrpSpPr>
+        <p:cNvPr id="1" name=""/>
+        <p:cNvGrpSpPr/>
+        <p:nvPr/>
+      </p:nvGrpSpPr>
+      <p:grpSpPr>
+        <a:xfrm>
+          <a:off x="0" y="0"/>
+          <a:ext cx="0" cy="0"/>
+          <a:chOff x="0" y="0"/>
+          <a:chExt cx="0" cy="0"/>
+        </a:xfrm>
+      </p:grpSpPr>
+      <p:pic>
+        <p:nvPicPr>
+          <p:cNvPr id="5" name="Рисунок 4">
+            <a:extLst>
+              <a:ext uri="{FF2B5EF4-FFF2-40B4-BE49-F238E27FC236}">
+                <a16:creationId xmlns:a16="http://schemas.microsoft.com/office/drawing/2014/main" id="{761D449A-F737-48AC-B4C1-273056B64545}"/>
+              </a:ext>
+            </a:extLst>
+          </p:cNvPr>
+          <p:cNvPicPr>
+            <a:picLocks noChangeAspect="1"/>
+          </p:cNvPicPr>
+          <p:nvPr/>
+        </p:nvPicPr>
+        <p:blipFill>
+          <a:blip r:embed="rId2"/>
+          <a:stretch>
+            <a:fillRect/>
+          </a:stretch>
+        </p:blipFill>
+        <p:spPr>
+          <a:xfrm>
+            <a:off x="0" y="0"/>
+            <a:ext cx="7033208" cy="3956180"/>
+          </a:xfrm>
+          <a:prstGeom prst="rect">
+            <a:avLst/>
+          </a:prstGeom>
+        </p:spPr>
+      </p:pic>
+      <p:pic>
+        <p:nvPicPr>
+          <p:cNvPr id="7" name="Рисунок 6">
+            <a:extLst>
+              <a:ext uri="{FF2B5EF4-FFF2-40B4-BE49-F238E27FC236}">
+                <a16:creationId xmlns:a16="http://schemas.microsoft.com/office/drawing/2014/main" id="{474AD590-7EF6-4C7F-BA32-AF3607E341D7}"/>
+              </a:ext>
+            </a:extLst>
+          </p:cNvPr>
+          <p:cNvPicPr>
+            <a:picLocks noChangeAspect="1"/>
+          </p:cNvPicPr>
+          <p:nvPr/>
+        </p:nvPicPr>
+        <p:blipFill>
+          <a:blip r:embed="rId3"/>
+          <a:stretch>
+            <a:fillRect/>
+          </a:stretch>
+        </p:blipFill>
+        <p:spPr>
+          <a:xfrm>
+            <a:off x="5422122" y="2986380"/>
+            <a:ext cx="6901543" cy="3882118"/>
+          </a:xfrm>
+          <a:prstGeom prst="rect">
+            <a:avLst/>
+          </a:prstGeom>
+        </p:spPr>
+      </p:pic>
+      <p:sp>
+        <p:nvSpPr>
+          <p:cNvPr id="8" name="TextBox 7">
+            <a:extLst>
+              <a:ext uri="{FF2B5EF4-FFF2-40B4-BE49-F238E27FC236}">
+                <a16:creationId xmlns:a16="http://schemas.microsoft.com/office/drawing/2014/main" id="{D1F5D82B-C2D2-48D8-8D0B-EE3E5E58ED02}"/>
+              </a:ext>
+            </a:extLst>
+          </p:cNvPr>
+          <p:cNvSpPr txBox="1"/>
+          <p:nvPr/>
+        </p:nvSpPr>
+        <p:spPr>
+          <a:xfrm>
+            <a:off x="335902" y="4604273"/>
+            <a:ext cx="4516016" cy="646331"/>
+          </a:xfrm>
+          <a:prstGeom prst="rect">
+            <a:avLst/>
+          </a:prstGeom>
+          <a:noFill/>
+        </p:spPr>
+        <p:txBody>
+          <a:bodyPr wrap="square" rtlCol="0">
+            <a:spAutoFit/>
+          </a:bodyPr>
+          <a:lstStyle/>
+          <a:p>
+            <a:r>
+              <a:rPr lang="ru-RU" dirty="0"/>
+              <a:t>Готовый продукт – сайт со всеми материалами пособия</a:t>
+            </a:r>
+          </a:p>
+        </p:txBody>
+      </p:sp>
+    </p:spTree>
+    <p:extLst>
+      <p:ext uri="{BB962C8B-B14F-4D97-AF65-F5344CB8AC3E}">
+        <p14:creationId xmlns:p14="http://schemas.microsoft.com/office/powerpoint/2010/main" val="2645984922"/>
+      </p:ext>
+    </p:extLst>
+  </p:cSld>
+  <p:clrMapOvr>
+    <a:masterClrMapping/>
+  </p:clrMapOvr>
+</p:sld>
+</file>
+
+<file path=ppt/slides/slide6.xml><?xml version="1.0" encoding="utf-8"?>
+<p:sld xmlns:a="http://schemas.openxmlformats.org/drawingml/2006/main" xmlns:r="http://schemas.openxmlformats.org/officeDocument/2006/relationships" xmlns:p="http://schemas.openxmlformats.org/presentationml/2006/main" showMasterSp="0">
+  <p:cSld>
     <p:bg>
       <p:bgPr>
         <a:solidFill>

--- a/перзентация.pptx
+++ b/перзентация.pptx
@@ -285,7 +285,7 @@
           <a:p>
             <a:fld id="{AA1483B1-6F33-4B54-B7CD-FC0610D9F73A}" type="datetimeFigureOut">
               <a:rPr lang="ru-RU" smtClean="0"/>
-              <a:t>06.12.2022</a:t>
+              <a:t>12.03.2023</a:t>
             </a:fld>
             <a:endParaRPr lang="ru-RU"/>
           </a:p>
@@ -513,7 +513,7 @@
           <a:p>
             <a:fld id="{AA1483B1-6F33-4B54-B7CD-FC0610D9F73A}" type="datetimeFigureOut">
               <a:rPr lang="ru-RU" smtClean="0"/>
-              <a:t>06.12.2022</a:t>
+              <a:t>12.03.2023</a:t>
             </a:fld>
             <a:endParaRPr lang="ru-RU"/>
           </a:p>
@@ -693,7 +693,7 @@
           <a:p>
             <a:fld id="{AA1483B1-6F33-4B54-B7CD-FC0610D9F73A}" type="datetimeFigureOut">
               <a:rPr lang="ru-RU" smtClean="0"/>
-              <a:t>06.12.2022</a:t>
+              <a:t>12.03.2023</a:t>
             </a:fld>
             <a:endParaRPr lang="ru-RU"/>
           </a:p>
@@ -863,7 +863,7 @@
           <a:p>
             <a:fld id="{AA1483B1-6F33-4B54-B7CD-FC0610D9F73A}" type="datetimeFigureOut">
               <a:rPr lang="ru-RU" smtClean="0"/>
-              <a:t>06.12.2022</a:t>
+              <a:t>12.03.2023</a:t>
             </a:fld>
             <a:endParaRPr lang="ru-RU"/>
           </a:p>
@@ -1117,7 +1117,7 @@
           <a:p>
             <a:fld id="{AA1483B1-6F33-4B54-B7CD-FC0610D9F73A}" type="datetimeFigureOut">
               <a:rPr lang="ru-RU" smtClean="0"/>
-              <a:t>06.12.2022</a:t>
+              <a:t>12.03.2023</a:t>
             </a:fld>
             <a:endParaRPr lang="ru-RU"/>
           </a:p>
@@ -1443,7 +1443,7 @@
           <a:p>
             <a:fld id="{AA1483B1-6F33-4B54-B7CD-FC0610D9F73A}" type="datetimeFigureOut">
               <a:rPr lang="ru-RU" smtClean="0"/>
-              <a:t>06.12.2022</a:t>
+              <a:t>12.03.2023</a:t>
             </a:fld>
             <a:endParaRPr lang="ru-RU"/>
           </a:p>
@@ -1894,7 +1894,7 @@
           <a:p>
             <a:fld id="{AA1483B1-6F33-4B54-B7CD-FC0610D9F73A}" type="datetimeFigureOut">
               <a:rPr lang="ru-RU" smtClean="0"/>
-              <a:t>06.12.2022</a:t>
+              <a:t>12.03.2023</a:t>
             </a:fld>
             <a:endParaRPr lang="ru-RU"/>
           </a:p>
@@ -2012,7 +2012,7 @@
           <a:p>
             <a:fld id="{AA1483B1-6F33-4B54-B7CD-FC0610D9F73A}" type="datetimeFigureOut">
               <a:rPr lang="ru-RU" smtClean="0"/>
-              <a:t>06.12.2022</a:t>
+              <a:t>12.03.2023</a:t>
             </a:fld>
             <a:endParaRPr lang="ru-RU"/>
           </a:p>
@@ -2107,7 +2107,7 @@
           <a:p>
             <a:fld id="{AA1483B1-6F33-4B54-B7CD-FC0610D9F73A}" type="datetimeFigureOut">
               <a:rPr lang="ru-RU" smtClean="0"/>
-              <a:t>06.12.2022</a:t>
+              <a:t>12.03.2023</a:t>
             </a:fld>
             <a:endParaRPr lang="ru-RU"/>
           </a:p>
@@ -2394,7 +2394,7 @@
           <a:p>
             <a:fld id="{AA1483B1-6F33-4B54-B7CD-FC0610D9F73A}" type="datetimeFigureOut">
               <a:rPr lang="ru-RU" smtClean="0"/>
-              <a:t>06.12.2022</a:t>
+              <a:t>12.03.2023</a:t>
             </a:fld>
             <a:endParaRPr lang="ru-RU"/>
           </a:p>
@@ -2716,7 +2716,7 @@
           <a:p>
             <a:fld id="{AA1483B1-6F33-4B54-B7CD-FC0610D9F73A}" type="datetimeFigureOut">
               <a:rPr lang="ru-RU" smtClean="0"/>
-              <a:t>06.12.2022</a:t>
+              <a:t>12.03.2023</a:t>
             </a:fld>
             <a:endParaRPr lang="ru-RU"/>
           </a:p>
@@ -2970,7 +2970,7 @@
           <a:p>
             <a:fld id="{AA1483B1-6F33-4B54-B7CD-FC0610D9F73A}" type="datetimeFigureOut">
               <a:rPr lang="ru-RU" smtClean="0"/>
-              <a:t>06.12.2022</a:t>
+              <a:t>12.03.2023</a:t>
             </a:fld>
             <a:endParaRPr lang="ru-RU"/>
           </a:p>
@@ -3647,12 +3647,63 @@
           </a:p>
         </p:txBody>
       </p:sp>
+      <p:sp>
+        <p:nvSpPr>
+          <p:cNvPr id="5" name="TextBox 4">
+            <a:extLst>
+              <a:ext uri="{FF2B5EF4-FFF2-40B4-BE49-F238E27FC236}">
+                <a16:creationId xmlns:a16="http://schemas.microsoft.com/office/drawing/2014/main" id="{07D83B6B-4C8B-40A3-9757-E73748DAAABD}"/>
+              </a:ext>
+            </a:extLst>
+          </p:cNvPr>
+          <p:cNvSpPr txBox="1"/>
+          <p:nvPr/>
+        </p:nvSpPr>
+        <p:spPr>
+          <a:xfrm>
+            <a:off x="386499" y="1545996"/>
+            <a:ext cx="10539167" cy="1200329"/>
+          </a:xfrm>
+          <a:prstGeom prst="rect">
+            <a:avLst/>
+          </a:prstGeom>
+          <a:noFill/>
+        </p:spPr>
+        <p:txBody>
+          <a:bodyPr wrap="square" rtlCol="0">
+            <a:spAutoFit/>
+          </a:bodyPr>
+          <a:lstStyle/>
+          <a:p>
+            <a:pPr algn="ctr"/>
+            <a:r>
+              <a:rPr lang="ru-RU" dirty="0"/>
+              <a:t>Язык программирования </a:t>
+            </a:r>
+            <a:r>
+              <a:rPr lang="en-US" dirty="0"/>
+              <a:t>python </a:t>
+            </a:r>
+            <a:r>
+              <a:rPr lang="ru-RU" dirty="0"/>
+              <a:t>сейчас является одним из самых востребованных и популярных языков программирования в мире.</a:t>
+            </a:r>
+          </a:p>
+          <a:p>
+            <a:pPr algn="ctr"/>
+            <a:r>
+              <a:rPr lang="ru-RU" dirty="0"/>
+              <a:t>На этом языке можно сдать единый государственный экзамен и из всех вариантов он является самым простым в изучении.</a:t>
+            </a:r>
+          </a:p>
+        </p:txBody>
+      </p:sp>
       <p:pic>
         <p:nvPicPr>
-          <p:cNvPr id="7" name="Рисунок 6">
+          <p:cNvPr id="8" name="Рисунок 7">
             <a:extLst>
               <a:ext uri="{FF2B5EF4-FFF2-40B4-BE49-F238E27FC236}">
-                <a16:creationId xmlns:a16="http://schemas.microsoft.com/office/drawing/2014/main" id="{C3C1272F-7655-495C-99CB-762A0C3C1C2E}"/>
+                <a16:creationId xmlns:a16="http://schemas.microsoft.com/office/drawing/2014/main" id="{CFB8DD10-4864-4C64-A818-19353DA84C86}"/>
               </a:ext>
             </a:extLst>
           </p:cNvPr>
@@ -3662,69 +3713,27 @@
           <p:nvPr/>
         </p:nvPicPr>
         <p:blipFill>
-          <a:blip r:embed="rId2">
-            <a:extLst>
-              <a:ext uri="{28A0092B-C50C-407E-A947-70E740481C1C}">
-                <a14:useLocalDpi xmlns:a14="http://schemas.microsoft.com/office/drawing/2010/main" val="0"/>
-              </a:ext>
-            </a:extLst>
-          </a:blip>
+          <a:blip r:embed="rId2"/>
           <a:stretch>
             <a:fillRect/>
           </a:stretch>
         </p:blipFill>
         <p:spPr>
           <a:xfrm>
-            <a:off x="0" y="1392742"/>
-            <a:ext cx="4226194" cy="4655976"/>
+            <a:off x="1214486" y="2746325"/>
+            <a:ext cx="8883192" cy="3799656"/>
           </a:xfrm>
           <a:prstGeom prst="rect">
             <a:avLst/>
           </a:prstGeom>
         </p:spPr>
       </p:pic>
-      <p:pic>
-        <p:nvPicPr>
-          <p:cNvPr id="9" name="Рисунок 8">
+      <p:sp>
+        <p:nvSpPr>
+          <p:cNvPr id="12" name="TextBox 11">
             <a:extLst>
               <a:ext uri="{FF2B5EF4-FFF2-40B4-BE49-F238E27FC236}">
-                <a16:creationId xmlns:a16="http://schemas.microsoft.com/office/drawing/2014/main" id="{771C2EAF-5FB3-4DA8-9708-CAA312E035ED}"/>
-              </a:ext>
-            </a:extLst>
-          </p:cNvPr>
-          <p:cNvPicPr>
-            <a:picLocks noChangeAspect="1"/>
-          </p:cNvPicPr>
-          <p:nvPr/>
-        </p:nvPicPr>
-        <p:blipFill>
-          <a:blip r:embed="rId3">
-            <a:extLst>
-              <a:ext uri="{28A0092B-C50C-407E-A947-70E740481C1C}">
-                <a14:useLocalDpi xmlns:a14="http://schemas.microsoft.com/office/drawing/2010/main" val="0"/>
-              </a:ext>
-            </a:extLst>
-          </a:blip>
-          <a:stretch>
-            <a:fillRect/>
-          </a:stretch>
-        </p:blipFill>
-        <p:spPr>
-          <a:xfrm>
-            <a:off x="7380007" y="67180"/>
-            <a:ext cx="3450989" cy="6104701"/>
-          </a:xfrm>
-          <a:prstGeom prst="rect">
-            <a:avLst/>
-          </a:prstGeom>
-        </p:spPr>
-      </p:pic>
-      <p:sp>
-        <p:nvSpPr>
-          <p:cNvPr id="10" name="TextBox 9">
-            <a:extLst>
-              <a:ext uri="{FF2B5EF4-FFF2-40B4-BE49-F238E27FC236}">
-                <a16:creationId xmlns:a16="http://schemas.microsoft.com/office/drawing/2014/main" id="{4D371E1F-7D03-4416-9680-E430DC8C864D}"/>
+                <a16:creationId xmlns:a16="http://schemas.microsoft.com/office/drawing/2014/main" id="{1287809E-463F-4368-A2D7-635DD6A68507}"/>
               </a:ext>
             </a:extLst>
           </p:cNvPr>
@@ -3733,8 +3742,8 @@
         </p:nvSpPr>
         <p:spPr>
           <a:xfrm>
-            <a:off x="298580" y="6466114"/>
-            <a:ext cx="3526971" cy="369332"/>
+            <a:off x="1214486" y="6545981"/>
+            <a:ext cx="8883192" cy="338554"/>
           </a:xfrm>
           <a:prstGeom prst="rect">
             <a:avLst/>
@@ -3748,62 +3757,14 @@
           <a:lstStyle/>
           <a:p>
             <a:r>
-              <a:rPr lang="en-US" dirty="0"/>
-              <a:t>Python</a:t>
-            </a:r>
-            <a:r>
-              <a:rPr lang="ru-RU" dirty="0"/>
-              <a:t> в рейтинге </a:t>
-            </a:r>
-            <a:r>
-              <a:rPr lang="en-US" dirty="0" err="1"/>
-              <a:t>Tiobe</a:t>
-            </a:r>
-            <a:endParaRPr lang="ru-RU" dirty="0"/>
-          </a:p>
-        </p:txBody>
-      </p:sp>
-      <p:sp>
-        <p:nvSpPr>
-          <p:cNvPr id="11" name="TextBox 10">
-            <a:extLst>
-              <a:ext uri="{FF2B5EF4-FFF2-40B4-BE49-F238E27FC236}">
-                <a16:creationId xmlns:a16="http://schemas.microsoft.com/office/drawing/2014/main" id="{C3B6A4E0-507C-42E5-93DE-A243EBE83A69}"/>
-              </a:ext>
-            </a:extLst>
-          </p:cNvPr>
-          <p:cNvSpPr txBox="1"/>
-          <p:nvPr/>
-        </p:nvSpPr>
-        <p:spPr>
-          <a:xfrm>
-            <a:off x="7380007" y="6466114"/>
-            <a:ext cx="3526971" cy="369332"/>
-          </a:xfrm>
-          <a:prstGeom prst="rect">
-            <a:avLst/>
-          </a:prstGeom>
-          <a:noFill/>
-        </p:spPr>
-        <p:txBody>
-          <a:bodyPr wrap="square" rtlCol="0">
-            <a:spAutoFit/>
-          </a:bodyPr>
-          <a:lstStyle/>
-          <a:p>
-            <a:r>
-              <a:rPr lang="en-US" dirty="0"/>
-              <a:t>Python </a:t>
-            </a:r>
-            <a:r>
-              <a:rPr lang="ru-RU" dirty="0"/>
-              <a:t>в рейтинге </a:t>
-            </a:r>
-            <a:r>
-              <a:rPr lang="en-US" dirty="0"/>
-              <a:t>PYPL</a:t>
-            </a:r>
-            <a:endParaRPr lang="ru-RU" dirty="0"/>
+              <a:rPr lang="ru-RU" sz="1600" dirty="0"/>
+              <a:t>Рейтинг языков программирования </a:t>
+            </a:r>
+            <a:r>
+              <a:rPr lang="en-US" sz="1600" dirty="0" err="1"/>
+              <a:t>tiobe</a:t>
+            </a:r>
+            <a:endParaRPr lang="ru-RU" sz="1600" dirty="0"/>
           </a:p>
         </p:txBody>
       </p:sp>
@@ -3898,14 +3859,66 @@
         </p:blipFill>
         <p:spPr>
           <a:xfrm>
-            <a:off x="2171988" y="930973"/>
-            <a:ext cx="7945910" cy="5301876"/>
+            <a:off x="3272671" y="2831310"/>
+            <a:ext cx="5646657" cy="3767709"/>
           </a:xfrm>
           <a:prstGeom prst="rect">
             <a:avLst/>
           </a:prstGeom>
         </p:spPr>
       </p:pic>
+      <p:sp>
+        <p:nvSpPr>
+          <p:cNvPr id="3" name="TextBox 2">
+            <a:extLst>
+              <a:ext uri="{FF2B5EF4-FFF2-40B4-BE49-F238E27FC236}">
+                <a16:creationId xmlns:a16="http://schemas.microsoft.com/office/drawing/2014/main" id="{DC3A68FC-DFEE-48A4-8FE0-AEA5ED77E2B0}"/>
+              </a:ext>
+            </a:extLst>
+          </p:cNvPr>
+          <p:cNvSpPr txBox="1"/>
+          <p:nvPr/>
+        </p:nvSpPr>
+        <p:spPr>
+          <a:xfrm>
+            <a:off x="1132683" y="1838226"/>
+            <a:ext cx="9511646" cy="646331"/>
+          </a:xfrm>
+          <a:prstGeom prst="rect">
+            <a:avLst/>
+          </a:prstGeom>
+          <a:noFill/>
+        </p:spPr>
+        <p:txBody>
+          <a:bodyPr wrap="square" rtlCol="0">
+            <a:spAutoFit/>
+          </a:bodyPr>
+          <a:lstStyle/>
+          <a:p>
+            <a:pPr algn="ctr"/>
+            <a:r>
+              <a:rPr lang="ru-RU" dirty="0"/>
+              <a:t>Целью моего проекта является создание учебного пособия по </a:t>
+            </a:r>
+            <a:r>
+              <a:rPr lang="en-US" dirty="0"/>
+              <a:t>Python</a:t>
+            </a:r>
+            <a:r>
+              <a:rPr lang="ru-RU" dirty="0"/>
+              <a:t>,</a:t>
+            </a:r>
+            <a:r>
+              <a:rPr lang="en-US" dirty="0"/>
+              <a:t> </a:t>
+            </a:r>
+            <a:r>
+              <a:rPr lang="ru-RU" dirty="0"/>
+              <a:t>для того чтобы помочь ученикам в его изучении</a:t>
+            </a:r>
+          </a:p>
+        </p:txBody>
+      </p:sp>
     </p:spTree>
     <p:extLst>
       <p:ext uri="{BB962C8B-B14F-4D97-AF65-F5344CB8AC3E}">
@@ -3997,14 +4010,83 @@
         </p:blipFill>
         <p:spPr>
           <a:xfrm>
-            <a:off x="438539" y="1340644"/>
-            <a:ext cx="10123714" cy="5281204"/>
+            <a:off x="3712389" y="2208469"/>
+            <a:ext cx="7453179" cy="3888075"/>
           </a:xfrm>
           <a:prstGeom prst="rect">
             <a:avLst/>
           </a:prstGeom>
         </p:spPr>
       </p:pic>
+      <p:sp>
+        <p:nvSpPr>
+          <p:cNvPr id="3" name="TextBox 2">
+            <a:extLst>
+              <a:ext uri="{FF2B5EF4-FFF2-40B4-BE49-F238E27FC236}">
+                <a16:creationId xmlns:a16="http://schemas.microsoft.com/office/drawing/2014/main" id="{56D5FE46-C634-4AB7-8B06-D065753B21C8}"/>
+              </a:ext>
+            </a:extLst>
+          </p:cNvPr>
+          <p:cNvSpPr txBox="1"/>
+          <p:nvPr/>
+        </p:nvSpPr>
+        <p:spPr>
+          <a:xfrm>
+            <a:off x="320512" y="2859844"/>
+            <a:ext cx="3139126" cy="2585323"/>
+          </a:xfrm>
+          <a:prstGeom prst="rect">
+            <a:avLst/>
+          </a:prstGeom>
+          <a:noFill/>
+        </p:spPr>
+        <p:txBody>
+          <a:bodyPr wrap="square" rtlCol="0">
+            <a:spAutoFit/>
+          </a:bodyPr>
+          <a:lstStyle/>
+          <a:p>
+            <a:pPr marL="342900" indent="-342900">
+              <a:buFont typeface="+mj-lt"/>
+              <a:buAutoNum type="arabicPeriod"/>
+            </a:pPr>
+            <a:r>
+              <a:rPr lang="ru-RU" dirty="0"/>
+              <a:t>Сбор и структурирование информации</a:t>
+            </a:r>
+          </a:p>
+          <a:p>
+            <a:pPr marL="342900" indent="-342900">
+              <a:buFont typeface="+mj-lt"/>
+              <a:buAutoNum type="arabicPeriod"/>
+            </a:pPr>
+            <a:r>
+              <a:rPr lang="ru-RU" dirty="0"/>
+              <a:t>Анализ полученных данных </a:t>
+            </a:r>
+          </a:p>
+          <a:p>
+            <a:pPr marL="342900" indent="-342900">
+              <a:buFont typeface="+mj-lt"/>
+              <a:buAutoNum type="arabicPeriod"/>
+            </a:pPr>
+            <a:r>
+              <a:rPr lang="ru-RU" dirty="0"/>
+              <a:t>Написание учебного пособия</a:t>
+            </a:r>
+          </a:p>
+          <a:p>
+            <a:pPr marL="342900" indent="-342900">
+              <a:buFont typeface="+mj-lt"/>
+              <a:buAutoNum type="arabicPeriod"/>
+            </a:pPr>
+            <a:r>
+              <a:rPr lang="ru-RU" dirty="0"/>
+              <a:t>Написание проектной работы</a:t>
+            </a:r>
+          </a:p>
+        </p:txBody>
+      </p:sp>
     </p:spTree>
     <p:extLst>
       <p:ext uri="{BB962C8B-B14F-4D97-AF65-F5344CB8AC3E}">
@@ -4109,8 +4191,8 @@
         </p:nvSpPr>
         <p:spPr>
           <a:xfrm>
-            <a:off x="335902" y="4604273"/>
-            <a:ext cx="4516016" cy="646331"/>
+            <a:off x="166220" y="4927439"/>
+            <a:ext cx="5159924" cy="646331"/>
           </a:xfrm>
           <a:prstGeom prst="rect">
             <a:avLst/>
@@ -4127,6 +4209,42 @@
               <a:rPr lang="ru-RU" dirty="0"/>
               <a:t>Готовый продукт – сайт со всеми материалами пособия</a:t>
             </a:r>
+          </a:p>
+        </p:txBody>
+      </p:sp>
+      <p:sp>
+        <p:nvSpPr>
+          <p:cNvPr id="2" name="TextBox 1">
+            <a:extLst>
+              <a:ext uri="{FF2B5EF4-FFF2-40B4-BE49-F238E27FC236}">
+                <a16:creationId xmlns:a16="http://schemas.microsoft.com/office/drawing/2014/main" id="{1C84B156-6F3D-4912-B1AA-5710DBB562DA}"/>
+              </a:ext>
+            </a:extLst>
+          </p:cNvPr>
+          <p:cNvSpPr txBox="1"/>
+          <p:nvPr/>
+        </p:nvSpPr>
+        <p:spPr>
+          <a:xfrm>
+            <a:off x="7126663" y="1331759"/>
+            <a:ext cx="4892511" cy="369332"/>
+          </a:xfrm>
+          <a:prstGeom prst="rect">
+            <a:avLst/>
+          </a:prstGeom>
+          <a:noFill/>
+        </p:spPr>
+        <p:txBody>
+          <a:bodyPr wrap="square" rtlCol="0">
+            <a:spAutoFit/>
+          </a:bodyPr>
+          <a:lstStyle/>
+          <a:p>
+            <a:r>
+              <a:rPr lang="en-US" dirty="0"/>
+              <a:t>https://ushliyork.github.io/project-site2.0/</a:t>
+            </a:r>
+            <a:endParaRPr lang="ru-RU" dirty="0"/>
           </a:p>
         </p:txBody>
       </p:sp>
